--- a/University_of_Waterloo/Fall_2021/MATH135/UW_Fall2021_MATH135_Lecture22.pptx
+++ b/University_of_Waterloo/Fall_2021/MATH135/UW_Fall2021_MATH135_Lecture22.pptx
@@ -5,7 +5,7 @@
     <p:sldMasterId id="2147483648" r:id="rId1"/>
   </p:sldMasterIdLst>
   <p:notesMasterIdLst>
-    <p:notesMasterId r:id="rId38"/>
+    <p:notesMasterId r:id="rId36"/>
   </p:notesMasterIdLst>
   <p:sldIdLst>
     <p:sldId id="379" r:id="rId2"/>
@@ -42,8 +42,6 @@
     <p:sldId id="625" r:id="rId33"/>
     <p:sldId id="626" r:id="rId34"/>
     <p:sldId id="584" r:id="rId35"/>
-    <p:sldId id="578" r:id="rId36"/>
-    <p:sldId id="579" r:id="rId37"/>
   </p:sldIdLst>
   <p:sldSz cx="12192000" cy="6858000"/>
   <p:notesSz cx="6858000" cy="9144000"/>
@@ -4517,8 +4515,8 @@
           </a:p>
         </p:txBody>
       </p:sp>
-      <mc:AlternateContent xmlns:mc="http://schemas.openxmlformats.org/markup-compatibility/2006">
-        <mc:Choice xmlns:a14="http://schemas.microsoft.com/office/drawing/2010/main" Requires="a14">
+      <mc:AlternateContent xmlns:mc="http://schemas.openxmlformats.org/markup-compatibility/2006" xmlns:a14="http://schemas.microsoft.com/office/drawing/2010/main">
+        <mc:Choice Requires="a14">
           <p:sp>
             <p:nvSpPr>
               <p:cNvPr id="7" name="TextBox 6">
@@ -4945,7 +4943,7 @@
             </p:txBody>
           </p:sp>
         </mc:Choice>
-        <mc:Fallback>
+        <mc:Fallback xmlns="">
           <p:sp>
             <p:nvSpPr>
               <p:cNvPr id="7" name="TextBox 6">
@@ -16546,204 +16544,6 @@
 </p:sld>
 </file>
 
-<file path=ppt/slides/slide35.xml><?xml version="1.0" encoding="utf-8"?>
-<p:sld xmlns:a="http://schemas.openxmlformats.org/drawingml/2006/main" xmlns:r="http://schemas.openxmlformats.org/officeDocument/2006/relationships" xmlns:p="http://schemas.openxmlformats.org/presentationml/2006/main">
-  <p:cSld>
-    <p:spTree>
-      <p:nvGrpSpPr>
-        <p:cNvPr id="1" name=""/>
-        <p:cNvGrpSpPr/>
-        <p:nvPr/>
-      </p:nvGrpSpPr>
-      <p:grpSpPr>
-        <a:xfrm>
-          <a:off x="0" y="0"/>
-          <a:ext cx="0" cy="0"/>
-          <a:chOff x="0" y="0"/>
-          <a:chExt cx="0" cy="0"/>
-        </a:xfrm>
-      </p:grpSpPr>
-      <p:sp>
-        <p:nvSpPr>
-          <p:cNvPr id="2" name="Title 1">
-            <a:extLst>
-              <a:ext uri="{FF2B5EF4-FFF2-40B4-BE49-F238E27FC236}">
-                <a16:creationId xmlns:a16="http://schemas.microsoft.com/office/drawing/2014/main" id="{3DFDFE6E-0F70-4498-A727-114AF49CE2A5}"/>
-              </a:ext>
-            </a:extLst>
-          </p:cNvPr>
-          <p:cNvSpPr>
-            <a:spLocks noGrp="1"/>
-          </p:cNvSpPr>
-          <p:nvPr>
-            <p:ph type="ctrTitle"/>
-          </p:nvPr>
-        </p:nvSpPr>
-        <p:spPr>
-          <a:xfrm>
-            <a:off x="433430" y="-310392"/>
-            <a:ext cx="10472257" cy="3236053"/>
-          </a:xfrm>
-        </p:spPr>
-        <p:txBody>
-          <a:bodyPr>
-            <a:normAutofit/>
-          </a:bodyPr>
-          <a:lstStyle/>
-          <a:p>
-            <a:br>
-              <a:rPr lang="en-US" dirty="0"/>
-            </a:br>
-            <a:br>
-              <a:rPr lang="en-US" dirty="0"/>
-            </a:br>
-            <a:r>
-              <a:rPr lang="en-US" dirty="0"/>
-              <a:t>MATH 135: Lecture 23</a:t>
-            </a:r>
-          </a:p>
-        </p:txBody>
-      </p:sp>
-      <p:sp>
-        <p:nvSpPr>
-          <p:cNvPr id="3" name="Subtitle 2">
-            <a:extLst>
-              <a:ext uri="{FF2B5EF4-FFF2-40B4-BE49-F238E27FC236}">
-                <a16:creationId xmlns:a16="http://schemas.microsoft.com/office/drawing/2014/main" id="{B9191896-C725-462F-BB08-4D8D8507E31D}"/>
-              </a:ext>
-            </a:extLst>
-          </p:cNvPr>
-          <p:cNvSpPr>
-            <a:spLocks noGrp="1"/>
-          </p:cNvSpPr>
-          <p:nvPr>
-            <p:ph type="subTitle" idx="1"/>
-          </p:nvPr>
-        </p:nvSpPr>
-        <p:spPr>
-          <a:xfrm>
-            <a:off x="1038835" y="3518148"/>
-            <a:ext cx="9144000" cy="1655762"/>
-          </a:xfrm>
-        </p:spPr>
-        <p:txBody>
-          <a:bodyPr/>
-          <a:lstStyle/>
-          <a:p>
-            <a:r>
-              <a:rPr lang="en-US" sz="4000" dirty="0"/>
-              <a:t>Dr. Nike Dattani</a:t>
-            </a:r>
-          </a:p>
-          <a:p>
-            <a:r>
-              <a:rPr lang="en-US" dirty="0"/>
-              <a:t>3 November 2021</a:t>
-            </a:r>
-          </a:p>
-        </p:txBody>
-      </p:sp>
-    </p:spTree>
-    <p:extLst>
-      <p:ext uri="{BB962C8B-B14F-4D97-AF65-F5344CB8AC3E}">
-        <p14:creationId xmlns:p14="http://schemas.microsoft.com/office/powerpoint/2010/main" val="2057658905"/>
-      </p:ext>
-    </p:extLst>
-  </p:cSld>
-  <p:clrMapOvr>
-    <a:masterClrMapping/>
-  </p:clrMapOvr>
-</p:sld>
-</file>
-
-<file path=ppt/slides/slide36.xml><?xml version="1.0" encoding="utf-8"?>
-<p:sld xmlns:a="http://schemas.openxmlformats.org/drawingml/2006/main" xmlns:r="http://schemas.openxmlformats.org/officeDocument/2006/relationships" xmlns:p="http://schemas.openxmlformats.org/presentationml/2006/main">
-  <p:cSld>
-    <p:spTree>
-      <p:nvGrpSpPr>
-        <p:cNvPr id="1" name=""/>
-        <p:cNvGrpSpPr/>
-        <p:nvPr/>
-      </p:nvGrpSpPr>
-      <p:grpSpPr>
-        <a:xfrm>
-          <a:off x="0" y="0"/>
-          <a:ext cx="0" cy="0"/>
-          <a:chOff x="0" y="0"/>
-          <a:chExt cx="0" cy="0"/>
-        </a:xfrm>
-      </p:grpSpPr>
-      <p:sp>
-        <p:nvSpPr>
-          <p:cNvPr id="8" name="TextBox 7">
-            <a:extLst>
-              <a:ext uri="{FF2B5EF4-FFF2-40B4-BE49-F238E27FC236}">
-                <a16:creationId xmlns:a16="http://schemas.microsoft.com/office/drawing/2014/main" id="{0A7C9D80-BF37-43ED-815E-E2F6A6C00976}"/>
-              </a:ext>
-            </a:extLst>
-          </p:cNvPr>
-          <p:cNvSpPr txBox="1"/>
-          <p:nvPr/>
-        </p:nvSpPr>
-        <p:spPr>
-          <a:xfrm>
-            <a:off x="389106" y="325239"/>
-            <a:ext cx="12260062" cy="3170099"/>
-          </a:xfrm>
-          <a:prstGeom prst="rect">
-            <a:avLst/>
-          </a:prstGeom>
-          <a:noFill/>
-        </p:spPr>
-        <p:txBody>
-          <a:bodyPr wrap="square">
-            <a:spAutoFit/>
-          </a:bodyPr>
-          <a:lstStyle/>
-          <a:p>
-            <a:r>
-              <a:rPr lang="en-US" sz="4000" b="1" u="sng" dirty="0"/>
-              <a:t>Less time on MATH 137 (60% needed in 135)</a:t>
-            </a:r>
-          </a:p>
-          <a:p>
-            <a:endParaRPr lang="en-US" sz="4000" b="1" u="sng" dirty="0"/>
-          </a:p>
-          <a:p>
-            <a:r>
-              <a:rPr lang="en-US" sz="4000" b="1" u="sng" dirty="0" err="1"/>
-              <a:t>TutorConnect</a:t>
-            </a:r>
-            <a:r>
-              <a:rPr lang="en-US" sz="4000" b="1" u="sng" dirty="0"/>
-              <a:t>: if no one replied, what to do </a:t>
-            </a:r>
-          </a:p>
-          <a:p>
-            <a:endParaRPr lang="en-US" sz="4000" b="1" u="sng" dirty="0"/>
-          </a:p>
-          <a:p>
-            <a:r>
-              <a:rPr lang="en-US" sz="4000" b="1" u="sng" dirty="0"/>
-              <a:t>Jason D’Souza apology</a:t>
-            </a:r>
-            <a:endParaRPr lang="en-US" sz="3600" b="1" dirty="0"/>
-          </a:p>
-        </p:txBody>
-      </p:sp>
-    </p:spTree>
-    <p:extLst>
-      <p:ext uri="{BB962C8B-B14F-4D97-AF65-F5344CB8AC3E}">
-        <p14:creationId xmlns:p14="http://schemas.microsoft.com/office/powerpoint/2010/main" val="2583035065"/>
-      </p:ext>
-    </p:extLst>
-  </p:cSld>
-  <p:clrMapOvr>
-    <a:masterClrMapping/>
-  </p:clrMapOvr>
-</p:sld>
-</file>
-
 <file path=ppt/slides/slide4.xml><?xml version="1.0" encoding="utf-8"?>
 <p:sld xmlns:a="http://schemas.openxmlformats.org/drawingml/2006/main" xmlns:r="http://schemas.openxmlformats.org/officeDocument/2006/relationships" xmlns:p="http://schemas.openxmlformats.org/presentationml/2006/main">
   <p:cSld>
